--- a/diagram/my_api_diagram.pptx
+++ b/diagram/my_api_diagram.pptx
@@ -104,6 +104,11 @@
       </a:defRPr>
     </a:lvl9pPr>
   </p:defaultTextStyle>
+  <p:extLst>
+    <p:ext uri="{EFAFB233-063F-42B5-8137-9DF3F51BA10A}">
+      <p15:sldGuideLst xmlns:p15="http://schemas.microsoft.com/office/powerpoint/2012/main"/>
+    </p:ext>
+  </p:extLst>
 </p:presentation>
 </file>
 
@@ -256,7 +261,7 @@
           <a:p>
             <a:fld id="{F976DC37-91AE-4188-B251-9A94AB9E6623}" type="datetimeFigureOut">
               <a:rPr lang="en-IE" smtClean="0"/>
-              <a:t>04/08/2019</a:t>
+              <a:t>05/08/2019</a:t>
             </a:fld>
             <a:endParaRPr lang="en-IE"/>
           </a:p>
@@ -456,7 +461,7 @@
           <a:p>
             <a:fld id="{F976DC37-91AE-4188-B251-9A94AB9E6623}" type="datetimeFigureOut">
               <a:rPr lang="en-IE" smtClean="0"/>
-              <a:t>04/08/2019</a:t>
+              <a:t>05/08/2019</a:t>
             </a:fld>
             <a:endParaRPr lang="en-IE"/>
           </a:p>
@@ -666,7 +671,7 @@
           <a:p>
             <a:fld id="{F976DC37-91AE-4188-B251-9A94AB9E6623}" type="datetimeFigureOut">
               <a:rPr lang="en-IE" smtClean="0"/>
-              <a:t>04/08/2019</a:t>
+              <a:t>05/08/2019</a:t>
             </a:fld>
             <a:endParaRPr lang="en-IE"/>
           </a:p>
@@ -866,7 +871,7 @@
           <a:p>
             <a:fld id="{F976DC37-91AE-4188-B251-9A94AB9E6623}" type="datetimeFigureOut">
               <a:rPr lang="en-IE" smtClean="0"/>
-              <a:t>04/08/2019</a:t>
+              <a:t>05/08/2019</a:t>
             </a:fld>
             <a:endParaRPr lang="en-IE"/>
           </a:p>
@@ -1142,7 +1147,7 @@
           <a:p>
             <a:fld id="{F976DC37-91AE-4188-B251-9A94AB9E6623}" type="datetimeFigureOut">
               <a:rPr lang="en-IE" smtClean="0"/>
-              <a:t>04/08/2019</a:t>
+              <a:t>05/08/2019</a:t>
             </a:fld>
             <a:endParaRPr lang="en-IE"/>
           </a:p>
@@ -1410,7 +1415,7 @@
           <a:p>
             <a:fld id="{F976DC37-91AE-4188-B251-9A94AB9E6623}" type="datetimeFigureOut">
               <a:rPr lang="en-IE" smtClean="0"/>
-              <a:t>04/08/2019</a:t>
+              <a:t>05/08/2019</a:t>
             </a:fld>
             <a:endParaRPr lang="en-IE"/>
           </a:p>
@@ -1825,7 +1830,7 @@
           <a:p>
             <a:fld id="{F976DC37-91AE-4188-B251-9A94AB9E6623}" type="datetimeFigureOut">
               <a:rPr lang="en-IE" smtClean="0"/>
-              <a:t>04/08/2019</a:t>
+              <a:t>05/08/2019</a:t>
             </a:fld>
             <a:endParaRPr lang="en-IE"/>
           </a:p>
@@ -1967,7 +1972,7 @@
           <a:p>
             <a:fld id="{F976DC37-91AE-4188-B251-9A94AB9E6623}" type="datetimeFigureOut">
               <a:rPr lang="en-IE" smtClean="0"/>
-              <a:t>04/08/2019</a:t>
+              <a:t>05/08/2019</a:t>
             </a:fld>
             <a:endParaRPr lang="en-IE"/>
           </a:p>
@@ -2080,7 +2085,7 @@
           <a:p>
             <a:fld id="{F976DC37-91AE-4188-B251-9A94AB9E6623}" type="datetimeFigureOut">
               <a:rPr lang="en-IE" smtClean="0"/>
-              <a:t>04/08/2019</a:t>
+              <a:t>05/08/2019</a:t>
             </a:fld>
             <a:endParaRPr lang="en-IE"/>
           </a:p>
@@ -2393,7 +2398,7 @@
           <a:p>
             <a:fld id="{F976DC37-91AE-4188-B251-9A94AB9E6623}" type="datetimeFigureOut">
               <a:rPr lang="en-IE" smtClean="0"/>
-              <a:t>04/08/2019</a:t>
+              <a:t>05/08/2019</a:t>
             </a:fld>
             <a:endParaRPr lang="en-IE"/>
           </a:p>
@@ -2682,7 +2687,7 @@
           <a:p>
             <a:fld id="{F976DC37-91AE-4188-B251-9A94AB9E6623}" type="datetimeFigureOut">
               <a:rPr lang="en-IE" smtClean="0"/>
-              <a:t>04/08/2019</a:t>
+              <a:t>05/08/2019</a:t>
             </a:fld>
             <a:endParaRPr lang="en-IE"/>
           </a:p>
@@ -2925,7 +2930,7 @@
           <a:p>
             <a:fld id="{F976DC37-91AE-4188-B251-9A94AB9E6623}" type="datetimeFigureOut">
               <a:rPr lang="en-IE" smtClean="0"/>
-              <a:t>04/08/2019</a:t>
+              <a:t>05/08/2019</a:t>
             </a:fld>
             <a:endParaRPr lang="en-IE"/>
           </a:p>
@@ -3362,6 +3367,12 @@
           <a:prstGeom prst="flowChartMagneticDisk">
             <a:avLst/>
           </a:prstGeom>
+          <a:solidFill>
+            <a:schemeClr val="tx1">
+              <a:lumMod val="50000"/>
+              <a:lumOff val="50000"/>
+            </a:schemeClr>
+          </a:solidFill>
         </p:spPr>
         <p:style>
           <a:lnRef idx="2">
@@ -3545,6 +3556,11 @@
           <a:prstGeom prst="roundRect">
             <a:avLst/>
           </a:prstGeom>
+          <a:solidFill>
+            <a:schemeClr val="tx2">
+              <a:lumMod val="75000"/>
+            </a:schemeClr>
+          </a:solidFill>
         </p:spPr>
         <p:style>
           <a:lnRef idx="2">
@@ -3817,6 +3833,135 @@
             <a:r>
               <a:rPr lang="en-IE" dirty="0"/>
               <a:t> libraries</a:t>
+            </a:r>
+          </a:p>
+        </p:txBody>
+      </p:sp>
+      <p:sp>
+        <p:nvSpPr>
+          <p:cNvPr id="2" name="Rectangle: Rounded Corners 1">
+            <a:extLst>
+              <a:ext uri="{FF2B5EF4-FFF2-40B4-BE49-F238E27FC236}">
+                <a16:creationId xmlns:a16="http://schemas.microsoft.com/office/drawing/2014/main" id="{A06A59F7-2229-4860-937B-E310070CF530}"/>
+              </a:ext>
+            </a:extLst>
+          </p:cNvPr>
+          <p:cNvSpPr/>
+          <p:nvPr/>
+        </p:nvSpPr>
+        <p:spPr>
+          <a:xfrm>
+            <a:off x="3236117" y="5507175"/>
+            <a:ext cx="1533525" cy="782775"/>
+          </a:xfrm>
+          <a:prstGeom prst="roundRect">
+            <a:avLst/>
+          </a:prstGeom>
+          <a:solidFill>
+            <a:schemeClr val="accent6"/>
+          </a:solidFill>
+        </p:spPr>
+        <p:style>
+          <a:lnRef idx="2">
+            <a:schemeClr val="accent1">
+              <a:shade val="50000"/>
+            </a:schemeClr>
+          </a:lnRef>
+          <a:fillRef idx="1">
+            <a:schemeClr val="accent1"/>
+          </a:fillRef>
+          <a:effectRef idx="0">
+            <a:schemeClr val="accent1"/>
+          </a:effectRef>
+          <a:fontRef idx="minor">
+            <a:schemeClr val="lt1"/>
+          </a:fontRef>
+        </p:style>
+        <p:txBody>
+          <a:bodyPr rtlCol="0" anchor="ctr"/>
+          <a:lstStyle/>
+          <a:p>
+            <a:pPr algn="ctr"/>
+            <a:r>
+              <a:rPr lang="en-IE" dirty="0"/>
+              <a:t>Swagger UI</a:t>
+            </a:r>
+          </a:p>
+        </p:txBody>
+      </p:sp>
+      <p:cxnSp>
+        <p:nvCxnSpPr>
+          <p:cNvPr id="4" name="Straight Arrow Connector 3">
+            <a:extLst>
+              <a:ext uri="{FF2B5EF4-FFF2-40B4-BE49-F238E27FC236}">
+                <a16:creationId xmlns:a16="http://schemas.microsoft.com/office/drawing/2014/main" id="{7E1B4FB6-6182-45B7-8B74-5ECD623D1989}"/>
+              </a:ext>
+            </a:extLst>
+          </p:cNvPr>
+          <p:cNvCxnSpPr>
+            <a:stCxn id="18" idx="2"/>
+            <a:endCxn id="2" idx="0"/>
+          </p:cNvCxnSpPr>
+          <p:nvPr/>
+        </p:nvCxnSpPr>
+        <p:spPr>
+          <a:xfrm flipH="1">
+            <a:off x="4002880" y="4610278"/>
+            <a:ext cx="1" cy="896897"/>
+          </a:xfrm>
+          <a:prstGeom prst="straightConnector1">
+            <a:avLst/>
+          </a:prstGeom>
+          <a:ln>
+            <a:tailEnd type="triangle"/>
+          </a:ln>
+        </p:spPr>
+        <p:style>
+          <a:lnRef idx="1">
+            <a:schemeClr val="accent1"/>
+          </a:lnRef>
+          <a:fillRef idx="0">
+            <a:schemeClr val="accent1"/>
+          </a:fillRef>
+          <a:effectRef idx="0">
+            <a:schemeClr val="accent1"/>
+          </a:effectRef>
+          <a:fontRef idx="minor">
+            <a:schemeClr val="tx1"/>
+          </a:fontRef>
+        </p:style>
+      </p:cxnSp>
+      <p:sp>
+        <p:nvSpPr>
+          <p:cNvPr id="11" name="TextBox 10">
+            <a:extLst>
+              <a:ext uri="{FF2B5EF4-FFF2-40B4-BE49-F238E27FC236}">
+                <a16:creationId xmlns:a16="http://schemas.microsoft.com/office/drawing/2014/main" id="{E1F4C24B-74EF-4A46-8999-E104C12E80D3}"/>
+              </a:ext>
+            </a:extLst>
+          </p:cNvPr>
+          <p:cNvSpPr txBox="1"/>
+          <p:nvPr/>
+        </p:nvSpPr>
+        <p:spPr>
+          <a:xfrm>
+            <a:off x="4895850" y="5575396"/>
+            <a:ext cx="1838325" cy="646331"/>
+          </a:xfrm>
+          <a:prstGeom prst="rect">
+            <a:avLst/>
+          </a:prstGeom>
+          <a:noFill/>
+        </p:spPr>
+        <p:txBody>
+          <a:bodyPr wrap="square" rtlCol="0">
+            <a:spAutoFit/>
+          </a:bodyPr>
+          <a:lstStyle/>
+          <a:p>
+            <a:r>
+              <a:rPr lang="en-IE" dirty="0"/>
+              <a:t>Documented using Swagger UI</a:t>
             </a:r>
           </a:p>
         </p:txBody>
